--- a/Clase 1/Clase1.pptx
+++ b/Clase 1/Clase1.pptx
@@ -262,6 +262,10 @@
     </p:ext>
   </p:extLst>
 </p:presentation>
+</file>
+
+<file path=ppt/revisionInfo.xml><?xml version="1.0" encoding="utf-8"?>
+<p1510:revInfo xmlns:a="http://schemas.openxmlformats.org/drawingml/2006/main" xmlns:r="http://schemas.openxmlformats.org/officeDocument/2006/relationships" xmlns:p1510="http://schemas.microsoft.com/office/powerpoint/2015/10/main"/>
 </file>
 
 <file path=ppt/notesMasters/notesMaster1.xml><?xml version="1.0" encoding="utf-8"?>
@@ -11925,8 +11929,8 @@
               <a:buNone/>
             </a:pPr>
             <a:r>
-              <a:rPr lang="es-CR" sz="2400" dirty="0"/>
-              <a:t>2017</a:t>
+              <a:rPr lang="es-CR" sz="2400"/>
+              <a:t>2018</a:t>
             </a:r>
             <a:endParaRPr sz="2400" dirty="0"/>
           </a:p>
